--- a/Daily Agendas/Day0.5 Welcome.pptx
+++ b/Daily Agendas/Day0.5 Welcome.pptx
@@ -6,6 +6,7 @@
   </p:sldMasterIdLst>
   <p:sldIdLst>
     <p:sldId id="256" r:id="rId2"/>
+    <p:sldId id="257" r:id="rId3"/>
   </p:sldIdLst>
   <p:sldSz cx="9144000" cy="6858000" type="screen4x3"/>
   <p:notesSz cx="6858000" cy="9144000"/>
@@ -104,6 +105,11 @@
       </a:defRPr>
     </a:lvl9pPr>
   </p:defaultTextStyle>
+  <p:extLst>
+    <p:ext uri="{EFAFB233-063F-42B5-8137-9DF3F51BA10A}">
+      <p15:sldGuideLst xmlns:p15="http://schemas.microsoft.com/office/powerpoint/2012/main"/>
+    </p:ext>
+  </p:extLst>
 </p:presentation>
 </file>
 
@@ -238,7 +244,7 @@
           <a:p>
             <a:fld id="{DBFDDC6D-30E6-4591-A5D6-EBA4A0A375E4}" type="datetimeFigureOut">
               <a:rPr lang="en-US" smtClean="0"/>
-              <a:t>1/30/2020</a:t>
+              <a:t>1/31/2020</a:t>
             </a:fld>
             <a:endParaRPr lang="en-US"/>
           </a:p>
@@ -408,7 +414,7 @@
           <a:p>
             <a:fld id="{DBFDDC6D-30E6-4591-A5D6-EBA4A0A375E4}" type="datetimeFigureOut">
               <a:rPr lang="en-US" smtClean="0"/>
-              <a:t>1/30/2020</a:t>
+              <a:t>1/31/2020</a:t>
             </a:fld>
             <a:endParaRPr lang="en-US"/>
           </a:p>
@@ -588,7 +594,7 @@
           <a:p>
             <a:fld id="{DBFDDC6D-30E6-4591-A5D6-EBA4A0A375E4}" type="datetimeFigureOut">
               <a:rPr lang="en-US" smtClean="0"/>
-              <a:t>1/30/2020</a:t>
+              <a:t>1/31/2020</a:t>
             </a:fld>
             <a:endParaRPr lang="en-US"/>
           </a:p>
@@ -758,7 +764,7 @@
           <a:p>
             <a:fld id="{DBFDDC6D-30E6-4591-A5D6-EBA4A0A375E4}" type="datetimeFigureOut">
               <a:rPr lang="en-US" smtClean="0"/>
-              <a:t>1/30/2020</a:t>
+              <a:t>1/31/2020</a:t>
             </a:fld>
             <a:endParaRPr lang="en-US"/>
           </a:p>
@@ -1002,7 +1008,7 @@
           <a:p>
             <a:fld id="{DBFDDC6D-30E6-4591-A5D6-EBA4A0A375E4}" type="datetimeFigureOut">
               <a:rPr lang="en-US" smtClean="0"/>
-              <a:t>1/30/2020</a:t>
+              <a:t>1/31/2020</a:t>
             </a:fld>
             <a:endParaRPr lang="en-US"/>
           </a:p>
@@ -1234,7 +1240,7 @@
           <a:p>
             <a:fld id="{DBFDDC6D-30E6-4591-A5D6-EBA4A0A375E4}" type="datetimeFigureOut">
               <a:rPr lang="en-US" smtClean="0"/>
-              <a:t>1/30/2020</a:t>
+              <a:t>1/31/2020</a:t>
             </a:fld>
             <a:endParaRPr lang="en-US"/>
           </a:p>
@@ -1601,7 +1607,7 @@
           <a:p>
             <a:fld id="{DBFDDC6D-30E6-4591-A5D6-EBA4A0A375E4}" type="datetimeFigureOut">
               <a:rPr lang="en-US" smtClean="0"/>
-              <a:t>1/30/2020</a:t>
+              <a:t>1/31/2020</a:t>
             </a:fld>
             <a:endParaRPr lang="en-US"/>
           </a:p>
@@ -1719,7 +1725,7 @@
           <a:p>
             <a:fld id="{DBFDDC6D-30E6-4591-A5D6-EBA4A0A375E4}" type="datetimeFigureOut">
               <a:rPr lang="en-US" smtClean="0"/>
-              <a:t>1/30/2020</a:t>
+              <a:t>1/31/2020</a:t>
             </a:fld>
             <a:endParaRPr lang="en-US"/>
           </a:p>
@@ -1814,7 +1820,7 @@
           <a:p>
             <a:fld id="{DBFDDC6D-30E6-4591-A5D6-EBA4A0A375E4}" type="datetimeFigureOut">
               <a:rPr lang="en-US" smtClean="0"/>
-              <a:t>1/30/2020</a:t>
+              <a:t>1/31/2020</a:t>
             </a:fld>
             <a:endParaRPr lang="en-US"/>
           </a:p>
@@ -2091,7 +2097,7 @@
           <a:p>
             <a:fld id="{DBFDDC6D-30E6-4591-A5D6-EBA4A0A375E4}" type="datetimeFigureOut">
               <a:rPr lang="en-US" smtClean="0"/>
-              <a:t>1/30/2020</a:t>
+              <a:t>1/31/2020</a:t>
             </a:fld>
             <a:endParaRPr lang="en-US"/>
           </a:p>
@@ -2348,7 +2354,7 @@
           <a:p>
             <a:fld id="{DBFDDC6D-30E6-4591-A5D6-EBA4A0A375E4}" type="datetimeFigureOut">
               <a:rPr lang="en-US" smtClean="0"/>
-              <a:t>1/30/2020</a:t>
+              <a:t>1/31/2020</a:t>
             </a:fld>
             <a:endParaRPr lang="en-US"/>
           </a:p>
@@ -2561,7 +2567,7 @@
           <a:p>
             <a:fld id="{DBFDDC6D-30E6-4591-A5D6-EBA4A0A375E4}" type="datetimeFigureOut">
               <a:rPr lang="en-US" smtClean="0"/>
-              <a:t>1/30/2020</a:t>
+              <a:t>1/31/2020</a:t>
             </a:fld>
             <a:endParaRPr lang="en-US"/>
           </a:p>
@@ -2981,7 +2987,18 @@
           <a:bodyPr/>
           <a:lstStyle/>
           <a:p>
-            <a:endParaRPr lang="en-US"/>
+            <a:r>
+              <a:rPr lang="en-CA" dirty="0" smtClean="0"/>
+              <a:t>Grade 12 Physics</a:t>
+            </a:r>
+            <a:br>
+              <a:rPr lang="en-CA" dirty="0" smtClean="0"/>
+            </a:br>
+            <a:r>
+              <a:rPr lang="en-CA" dirty="0" smtClean="0"/>
+              <a:t>(SPH4U0_C)</a:t>
+            </a:r>
+            <a:endParaRPr lang="en-US" dirty="0"/>
           </a:p>
         </p:txBody>
       </p:sp>
@@ -3000,7 +3017,17 @@
           <a:bodyPr/>
           <a:lstStyle/>
           <a:p>
-            <a:endParaRPr lang="en-US"/>
+            <a:r>
+              <a:rPr lang="en-CA" dirty="0" smtClean="0"/>
+              <a:t>Mr. Nestor</a:t>
+            </a:r>
+          </a:p>
+          <a:p>
+            <a:r>
+              <a:rPr lang="en-CA" dirty="0" smtClean="0"/>
+              <a:t>p0079141@pdsb.net</a:t>
+            </a:r>
+            <a:endParaRPr lang="en-US" dirty="0"/>
           </a:p>
         </p:txBody>
       </p:sp>
@@ -3008,6 +3035,129 @@
     <p:extLst>
       <p:ext uri="{BB962C8B-B14F-4D97-AF65-F5344CB8AC3E}">
         <p14:creationId xmlns:p14="http://schemas.microsoft.com/office/powerpoint/2010/main" val="3495192211"/>
+      </p:ext>
+    </p:extLst>
+  </p:cSld>
+  <p:clrMapOvr>
+    <a:masterClrMapping/>
+  </p:clrMapOvr>
+</p:sld>
+</file>
+
+<file path=ppt/slides/slide2.xml><?xml version="1.0" encoding="utf-8"?>
+<p:sld xmlns:a="http://schemas.openxmlformats.org/drawingml/2006/main" xmlns:r="http://schemas.openxmlformats.org/officeDocument/2006/relationships" xmlns:p="http://schemas.openxmlformats.org/presentationml/2006/main">
+  <p:cSld>
+    <p:spTree>
+      <p:nvGrpSpPr>
+        <p:cNvPr id="1" name=""/>
+        <p:cNvGrpSpPr/>
+        <p:nvPr/>
+      </p:nvGrpSpPr>
+      <p:grpSpPr>
+        <a:xfrm>
+          <a:off x="0" y="0"/>
+          <a:ext cx="0" cy="0"/>
+          <a:chOff x="0" y="0"/>
+          <a:chExt cx="0" cy="0"/>
+        </a:xfrm>
+      </p:grpSpPr>
+      <p:sp>
+        <p:nvSpPr>
+          <p:cNvPr id="2" name="Title 1"/>
+          <p:cNvSpPr>
+            <a:spLocks noGrp="1"/>
+          </p:cNvSpPr>
+          <p:nvPr>
+            <p:ph type="title"/>
+          </p:nvPr>
+        </p:nvSpPr>
+        <p:spPr/>
+        <p:txBody>
+          <a:bodyPr/>
+          <a:lstStyle/>
+          <a:p>
+            <a:pPr algn="ctr"/>
+            <a:r>
+              <a:rPr lang="en-CA" dirty="0" smtClean="0"/>
+              <a:t>Welcome – Jan 31</a:t>
+            </a:r>
+            <a:endParaRPr lang="en-US" dirty="0"/>
+          </a:p>
+        </p:txBody>
+      </p:sp>
+      <p:sp>
+        <p:nvSpPr>
+          <p:cNvPr id="3" name="Content Placeholder 2"/>
+          <p:cNvSpPr>
+            <a:spLocks noGrp="1"/>
+          </p:cNvSpPr>
+          <p:nvPr>
+            <p:ph idx="1"/>
+          </p:nvPr>
+        </p:nvSpPr>
+        <p:spPr/>
+        <p:txBody>
+          <a:bodyPr/>
+          <a:lstStyle/>
+          <a:p>
+            <a:r>
+              <a:rPr lang="en-CA" dirty="0" smtClean="0"/>
+              <a:t>Agenda</a:t>
+            </a:r>
+          </a:p>
+          <a:p>
+            <a:pPr lvl="1"/>
+            <a:r>
+              <a:rPr lang="en-CA" dirty="0" smtClean="0"/>
+              <a:t>Introductions / Attendance</a:t>
+            </a:r>
+          </a:p>
+          <a:p>
+            <a:pPr lvl="1"/>
+            <a:r>
+              <a:rPr lang="en-CA" dirty="0" smtClean="0"/>
+              <a:t>On-Line Resources</a:t>
+            </a:r>
+          </a:p>
+          <a:p>
+            <a:pPr lvl="1"/>
+            <a:r>
+              <a:rPr lang="en-CA" dirty="0" smtClean="0"/>
+              <a:t>Great Physicists Blog Assignment</a:t>
+            </a:r>
+          </a:p>
+          <a:p>
+            <a:pPr lvl="1"/>
+            <a:endParaRPr lang="en-CA" dirty="0" smtClean="0"/>
+          </a:p>
+          <a:p>
+            <a:pPr lvl="1"/>
+            <a:endParaRPr lang="en-CA"/>
+          </a:p>
+          <a:p>
+            <a:pPr lvl="1"/>
+            <a:endParaRPr lang="en-CA" dirty="0" smtClean="0"/>
+          </a:p>
+          <a:p>
+            <a:r>
+              <a:rPr lang="en-CA" dirty="0" smtClean="0"/>
+              <a:t>Upcoming</a:t>
+            </a:r>
+          </a:p>
+          <a:p>
+            <a:pPr lvl="1"/>
+            <a:r>
+              <a:rPr lang="en-CA" dirty="0" smtClean="0"/>
+              <a:t>Monday: More Welcome</a:t>
+            </a:r>
+            <a:endParaRPr lang="en-US" dirty="0"/>
+          </a:p>
+        </p:txBody>
+      </p:sp>
+    </p:spTree>
+    <p:extLst>
+      <p:ext uri="{BB962C8B-B14F-4D97-AF65-F5344CB8AC3E}">
+        <p14:creationId xmlns:p14="http://schemas.microsoft.com/office/powerpoint/2010/main" val="1209346082"/>
       </p:ext>
     </p:extLst>
   </p:cSld>
